--- a/2 am/2 الأشطال و الصور/cours 9/عرض الدرس.pptx
+++ b/2 am/2 الأشطال و الصور/cours 9/عرض الدرس.pptx
@@ -204,7 +204,7 @@
           <a:p>
             <a:fld id="{04809ED0-CAD5-44E1-91E8-3616676F7223}" type="datetimeFigureOut">
               <a:rPr lang="fr-FR" smtClean="0"/>
-              <a:t>11/02/2025</a:t>
+              <a:t>15/02/2025</a:t>
             </a:fld>
             <a:endParaRPr lang="fr-FR"/>
           </a:p>
@@ -939,7 +939,7 @@
           <a:p>
             <a:fld id="{16B4F739-B7D4-4EFD-BF14-44542778AB9F}" type="datetimeFigureOut">
               <a:rPr lang="fr-FR" smtClean="0"/>
-              <a:t>11/02/2025</a:t>
+              <a:t>15/02/2025</a:t>
             </a:fld>
             <a:endParaRPr lang="fr-FR"/>
           </a:p>
@@ -1109,7 +1109,7 @@
           <a:p>
             <a:fld id="{16B4F739-B7D4-4EFD-BF14-44542778AB9F}" type="datetimeFigureOut">
               <a:rPr lang="fr-FR" smtClean="0"/>
-              <a:t>11/02/2025</a:t>
+              <a:t>15/02/2025</a:t>
             </a:fld>
             <a:endParaRPr lang="fr-FR"/>
           </a:p>
@@ -1289,7 +1289,7 @@
           <a:p>
             <a:fld id="{16B4F739-B7D4-4EFD-BF14-44542778AB9F}" type="datetimeFigureOut">
               <a:rPr lang="fr-FR" smtClean="0"/>
-              <a:t>11/02/2025</a:t>
+              <a:t>15/02/2025</a:t>
             </a:fld>
             <a:endParaRPr lang="fr-FR"/>
           </a:p>
@@ -1459,7 +1459,7 @@
           <a:p>
             <a:fld id="{16B4F739-B7D4-4EFD-BF14-44542778AB9F}" type="datetimeFigureOut">
               <a:rPr lang="fr-FR" smtClean="0"/>
-              <a:t>11/02/2025</a:t>
+              <a:t>15/02/2025</a:t>
             </a:fld>
             <a:endParaRPr lang="fr-FR"/>
           </a:p>
@@ -1705,7 +1705,7 @@
           <a:p>
             <a:fld id="{16B4F739-B7D4-4EFD-BF14-44542778AB9F}" type="datetimeFigureOut">
               <a:rPr lang="fr-FR" smtClean="0"/>
-              <a:t>11/02/2025</a:t>
+              <a:t>15/02/2025</a:t>
             </a:fld>
             <a:endParaRPr lang="fr-FR"/>
           </a:p>
@@ -1937,7 +1937,7 @@
           <a:p>
             <a:fld id="{16B4F739-B7D4-4EFD-BF14-44542778AB9F}" type="datetimeFigureOut">
               <a:rPr lang="fr-FR" smtClean="0"/>
-              <a:t>11/02/2025</a:t>
+              <a:t>15/02/2025</a:t>
             </a:fld>
             <a:endParaRPr lang="fr-FR"/>
           </a:p>
@@ -2304,7 +2304,7 @@
           <a:p>
             <a:fld id="{16B4F739-B7D4-4EFD-BF14-44542778AB9F}" type="datetimeFigureOut">
               <a:rPr lang="fr-FR" smtClean="0"/>
-              <a:t>11/02/2025</a:t>
+              <a:t>15/02/2025</a:t>
             </a:fld>
             <a:endParaRPr lang="fr-FR"/>
           </a:p>
@@ -2422,7 +2422,7 @@
           <a:p>
             <a:fld id="{16B4F739-B7D4-4EFD-BF14-44542778AB9F}" type="datetimeFigureOut">
               <a:rPr lang="fr-FR" smtClean="0"/>
-              <a:t>11/02/2025</a:t>
+              <a:t>15/02/2025</a:t>
             </a:fld>
             <a:endParaRPr lang="fr-FR"/>
           </a:p>
@@ -2517,7 +2517,7 @@
           <a:p>
             <a:fld id="{16B4F739-B7D4-4EFD-BF14-44542778AB9F}" type="datetimeFigureOut">
               <a:rPr lang="fr-FR" smtClean="0"/>
-              <a:t>11/02/2025</a:t>
+              <a:t>15/02/2025</a:t>
             </a:fld>
             <a:endParaRPr lang="fr-FR"/>
           </a:p>
@@ -2794,7 +2794,7 @@
           <a:p>
             <a:fld id="{16B4F739-B7D4-4EFD-BF14-44542778AB9F}" type="datetimeFigureOut">
               <a:rPr lang="fr-FR" smtClean="0"/>
-              <a:t>11/02/2025</a:t>
+              <a:t>15/02/2025</a:t>
             </a:fld>
             <a:endParaRPr lang="fr-FR"/>
           </a:p>
@@ -3047,7 +3047,7 @@
           <a:p>
             <a:fld id="{16B4F739-B7D4-4EFD-BF14-44542778AB9F}" type="datetimeFigureOut">
               <a:rPr lang="fr-FR" smtClean="0"/>
-              <a:t>11/02/2025</a:t>
+              <a:t>15/02/2025</a:t>
             </a:fld>
             <a:endParaRPr lang="fr-FR"/>
           </a:p>
@@ -3290,7 +3290,7 @@
           <a:p>
             <a:fld id="{16B4F739-B7D4-4EFD-BF14-44542778AB9F}" type="datetimeFigureOut">
               <a:rPr lang="fr-FR" smtClean="0"/>
-              <a:t>11/02/2025</a:t>
+              <a:t>15/02/2025</a:t>
             </a:fld>
             <a:endParaRPr lang="fr-FR"/>
           </a:p>
@@ -5996,7 +5996,7 @@
                   </a:spcAft>
                 </a:pPr>
                 <a:r>
-                  <a:rPr lang="ar-DZ" sz="4400" dirty="0">
+                  <a:rPr lang="ar-DZ" sz="4400" b="1" dirty="0">
                     <a:ln w="6604" cap="flat" cmpd="sng" algn="ctr">
                       <a:solidFill>
                         <a:srgbClr val="FFFF00"/>
@@ -6019,7 +6019,14 @@
                   </a:rPr>
                   <a:t>النموذج الجزيئي</a:t>
                 </a:r>
-                <a:endParaRPr lang="fr-FR" sz="1400" dirty="0">
+                <a:endParaRPr lang="fr-FR" sz="1400" b="1" dirty="0">
+                  <a:ln w="6604" cap="flat" cmpd="sng" algn="ctr">
+                    <a:solidFill>
+                      <a:srgbClr val="FFFF00"/>
+                    </a:solidFill>
+                    <a:prstDash val="solid"/>
+                    <a:round/>
+                  </a:ln>
                   <a:effectLst/>
                   <a:latin typeface="Calibri" panose="020F0502020204030204" pitchFamily="34" charset="0"/>
                   <a:ea typeface="Calibri" panose="020F0502020204030204" pitchFamily="34" charset="0"/>
@@ -6698,7 +6705,7 @@
           <p:nvPr/>
         </p:nvPicPr>
         <p:blipFill>
-          <a:blip r:embed="rId4">
+          <a:blip r:embed="rId3">
             <a:extLst>
               <a:ext uri="{28A0092B-C50C-407E-A947-70E740481C1C}">
                 <a14:useLocalDpi xmlns:a14="http://schemas.microsoft.com/office/drawing/2010/main" val="0"/>
@@ -6729,7 +6736,7 @@
           <p:nvPr/>
         </p:nvPicPr>
         <p:blipFill>
-          <a:blip r:embed="rId4">
+          <a:blip r:embed="rId3">
             <a:extLst>
               <a:ext uri="{28A0092B-C50C-407E-A947-70E740481C1C}">
                 <a14:useLocalDpi xmlns:a14="http://schemas.microsoft.com/office/drawing/2010/main" val="0"/>
@@ -6763,7 +6770,7 @@
           <p:nvPr/>
         </p:nvPicPr>
         <p:blipFill>
-          <a:blip r:embed="rId4">
+          <a:blip r:embed="rId3">
             <a:extLst>
               <a:ext uri="{28A0092B-C50C-407E-A947-70E740481C1C}">
                 <a14:useLocalDpi xmlns:a14="http://schemas.microsoft.com/office/drawing/2010/main" val="0"/>
@@ -7703,7 +7710,7 @@
           <p:nvPr/>
         </p:nvPicPr>
         <p:blipFill>
-          <a:blip r:embed="rId4">
+          <a:blip r:embed="rId3">
             <a:extLst>
               <a:ext uri="{28A0092B-C50C-407E-A947-70E740481C1C}">
                 <a14:useLocalDpi xmlns:a14="http://schemas.microsoft.com/office/drawing/2010/main" val="0"/>
